--- a/Figure.pptx
+++ b/Figure.pptx
@@ -3948,8 +3948,8 @@
         </p:nvSpPr>
         <p:spPr>
           <a:xfrm>
-            <a:off x="1916832" y="5709008"/>
-            <a:ext cx="3260829" cy="246221"/>
+            <a:off x="1196752" y="5786899"/>
+            <a:ext cx="4844596" cy="246221"/>
           </a:xfrm>
           <a:prstGeom prst="rect">
             <a:avLst/>
@@ -3966,7 +3966,7 @@
                 <a:latin typeface="Arial" pitchFamily="34" charset="0"/>
                 <a:cs typeface="Arial" pitchFamily="34" charset="0"/>
               </a:rPr>
-              <a:t>Genome-wide identification of PHS-related genes</a:t>
+              <a:t>Comparative genomics and genome-wide identification of PHS-related genes</a:t>
             </a:r>
             <a:endParaRPr lang="fr-FR" sz="1000" b="1" dirty="0"/>
           </a:p>

--- a/Figure.pptx
+++ b/Figure.pptx
@@ -4161,7 +4161,7 @@
         <p:spPr>
           <a:xfrm>
             <a:off x="2348880" y="8631139"/>
-            <a:ext cx="2232248" cy="246221"/>
+            <a:ext cx="2232248" cy="400110"/>
           </a:xfrm>
           <a:prstGeom prst="rect">
             <a:avLst/>
@@ -4180,7 +4180,7 @@
                 <a:latin typeface="Arial" pitchFamily="34" charset="0"/>
                 <a:cs typeface="Arial" pitchFamily="34" charset="0"/>
               </a:rPr>
-              <a:t>Released of PHS-tolerant material</a:t>
+              <a:t>Release of designed PHS-tolerant materials</a:t>
             </a:r>
             <a:endParaRPr lang="fr-FR" sz="1000" b="1" dirty="0">
               <a:latin typeface="Arial" pitchFamily="34" charset="0"/>
